--- a/応募資料/BLROOM_作品紹介フォーマット2019.pptx
+++ b/応募資料/BLROOM_作品紹介フォーマット2019.pptx
@@ -4331,33 +4331,8 @@
                           <a:latin typeface="Arial" charset="0"/>
                           <a:ea typeface="ＭＳ Ｐゴシック" charset="-128"/>
                         </a:rPr>
-                        <a:t>フリガナ　</a:t>
+                        <a:t>フリガナ　　　　　　　　　　　　　　　　　ブルーム</a:t>
                       </a:r>
-                      <a:r>
-                        <a:rPr kumimoji="1" lang="ja-JP" altLang="en-US" sz="700" b="0" i="0" u="none" strike="noStrike" cap="none" normalizeH="0" baseline="0" dirty="0" smtClean="0">
-                          <a:ln>
-                            <a:noFill/>
-                          </a:ln>
-                          <a:solidFill>
-                            <a:schemeClr val="tx1"/>
-                          </a:solidFill>
-                          <a:effectLst/>
-                          <a:latin typeface="Arial" charset="0"/>
-                          <a:ea typeface="ＭＳ Ｐゴシック" charset="-128"/>
-                        </a:rPr>
-                        <a:t>　　　　　　　　　　　　　　　　ブルーム</a:t>
-                      </a:r>
-                      <a:endParaRPr kumimoji="1" lang="ja-JP" altLang="en-US" sz="700" b="0" i="0" u="none" strike="noStrike" cap="none" normalizeH="0" baseline="0" dirty="0" smtClean="0">
-                        <a:ln>
-                          <a:noFill/>
-                        </a:ln>
-                        <a:solidFill>
-                          <a:schemeClr val="tx1"/>
-                        </a:solidFill>
-                        <a:effectLst/>
-                        <a:latin typeface="Arial" charset="0"/>
-                        <a:ea typeface="ＭＳ Ｐゴシック" charset="-128"/>
-                      </a:endParaRPr>
                     </a:p>
                   </a:txBody>
                   <a:tcPr horzOverflow="overflow">
@@ -5300,14 +5275,14 @@
           <p:nvPr>
             <p:extLst>
               <p:ext uri="{D42A27DB-BD31-4B8C-83A1-F6EECF244321}">
-                <p14:modId xmlns:p14="http://schemas.microsoft.com/office/powerpoint/2010/main" val="1034002368"/>
+                <p14:modId xmlns:p14="http://schemas.microsoft.com/office/powerpoint/2010/main" val="1132575545"/>
               </p:ext>
             </p:extLst>
           </p:nvPr>
         </p:nvGraphicFramePr>
         <p:xfrm>
           <a:off x="127000" y="2250157"/>
-          <a:ext cx="6697663" cy="8650224"/>
+          <a:ext cx="6697663" cy="8613648"/>
         </p:xfrm>
         <a:graphic>
           <a:graphicData uri="http://schemas.openxmlformats.org/drawingml/2006/table">
@@ -5597,21 +5572,7 @@
                           <a:latin typeface="Arial" charset="0"/>
                           <a:ea typeface="ＭＳ Ｐゴシック" charset="-128"/>
                         </a:rPr>
-                        <a:t>に即した具体的な表現、手法などを用いた箇所についてもあわせて記入下さい</a:t>
-                      </a:r>
-                      <a:r>
-                        <a:rPr kumimoji="1" lang="ja-JP" altLang="en-US" sz="1000" b="0" i="0" u="none" strike="noStrike" cap="none" normalizeH="0" baseline="0" dirty="0" smtClean="0">
-                          <a:ln>
-                            <a:noFill/>
-                          </a:ln>
-                          <a:solidFill>
-                            <a:schemeClr val="tx1"/>
-                          </a:solidFill>
-                          <a:effectLst/>
-                          <a:latin typeface="Arial" charset="0"/>
-                          <a:ea typeface="ＭＳ Ｐゴシック" charset="-128"/>
-                        </a:rPr>
-                        <a:t>。</a:t>
+                        <a:t>に即した具体的な表現、手法などを用いた箇所についてもあわせて記入下さい。</a:t>
                       </a:r>
                       <a:endParaRPr kumimoji="1" lang="en-US" altLang="ja-JP" sz="1000" b="0" i="0" u="none" strike="noStrike" cap="none" normalizeH="0" baseline="0" dirty="0" smtClean="0">
                         <a:ln>
@@ -5967,7 +5928,35 @@
                           <a:latin typeface="ＭＳ Ｐゴシック" panose="020B0600070205080204" pitchFamily="50" charset="-128"/>
                           <a:ea typeface="ＭＳ Ｐゴシック" panose="020B0600070205080204" pitchFamily="50" charset="-128"/>
                         </a:rPr>
-                        <a:t>太陽との位置関係により伸び縮みします。その彗星の尾を巧みに操り、周囲の赤色の星をどんどん破壊していきましょう。</a:t>
+                        <a:t>太陽との位置関係に</a:t>
+                      </a:r>
+                      <a:r>
+                        <a:rPr kumimoji="1" lang="ja-JP" altLang="en-US" sz="1200" b="0" i="0" u="none" strike="noStrike" cap="none" normalizeH="0" baseline="0" dirty="0" smtClean="0">
+                          <a:ln>
+                            <a:noFill/>
+                          </a:ln>
+                          <a:solidFill>
+                            <a:schemeClr val="tx1"/>
+                          </a:solidFill>
+                          <a:effectLst/>
+                          <a:latin typeface="ＭＳ Ｐゴシック" panose="020B0600070205080204" pitchFamily="50" charset="-128"/>
+                          <a:ea typeface="ＭＳ Ｐゴシック" panose="020B0600070205080204" pitchFamily="50" charset="-128"/>
+                        </a:rPr>
+                        <a:t>よって伸び縮み</a:t>
+                      </a:r>
+                      <a:r>
+                        <a:rPr kumimoji="1" lang="ja-JP" altLang="en-US" sz="1200" b="0" i="0" u="none" strike="noStrike" cap="none" normalizeH="0" baseline="0" dirty="0" smtClean="0">
+                          <a:ln>
+                            <a:noFill/>
+                          </a:ln>
+                          <a:solidFill>
+                            <a:schemeClr val="tx1"/>
+                          </a:solidFill>
+                          <a:effectLst/>
+                          <a:latin typeface="ＭＳ Ｐゴシック" panose="020B0600070205080204" pitchFamily="50" charset="-128"/>
+                          <a:ea typeface="ＭＳ Ｐゴシック" panose="020B0600070205080204" pitchFamily="50" charset="-128"/>
+                        </a:rPr>
+                        <a:t>します。その彗星の尾を巧みに操り、周囲の赤色の星をどんどん破壊していきましょう。</a:t>
                       </a:r>
                       <a:endParaRPr kumimoji="1" lang="en-US" altLang="ja-JP" sz="1200" b="0" i="0" u="none" strike="noStrike" cap="none" normalizeH="0" baseline="0" dirty="0" smtClean="0">
                         <a:ln>
@@ -6010,37 +5999,8 @@
                           <a:latin typeface="ＭＳ Ｐゴシック" panose="020B0600070205080204" pitchFamily="50" charset="-128"/>
                           <a:ea typeface="ＭＳ Ｐゴシック" panose="020B0600070205080204" pitchFamily="50" charset="-128"/>
                         </a:rPr>
-                        <a:t>ただし緑色の星は破壊してはいけません。スコアがダウンしていまいます。</a:t>
+                        <a:t>ただし緑色の星は破壊してはいけません</a:t>
                       </a:r>
-                      <a:endParaRPr kumimoji="1" lang="en-US" altLang="ja-JP" sz="1200" b="0" i="0" u="none" strike="noStrike" cap="none" normalizeH="0" baseline="0" dirty="0" smtClean="0">
-                        <a:ln>
-                          <a:noFill/>
-                        </a:ln>
-                        <a:solidFill>
-                          <a:schemeClr val="tx1"/>
-                        </a:solidFill>
-                        <a:effectLst/>
-                        <a:latin typeface="ＭＳ Ｐゴシック" panose="020B0600070205080204" pitchFamily="50" charset="-128"/>
-                        <a:ea typeface="ＭＳ Ｐゴシック" panose="020B0600070205080204" pitchFamily="50" charset="-128"/>
-                      </a:endParaRPr>
-                    </a:p>
-                    <a:p>
-                      <a:pPr marL="0" marR="0" lvl="0" indent="0" algn="l" defTabSz="914400" rtl="0" eaLnBrk="1" fontAlgn="base" latinLnBrk="0" hangingPunct="1">
-                        <a:lnSpc>
-                          <a:spcPct val="100000"/>
-                        </a:lnSpc>
-                        <a:spcBef>
-                          <a:spcPct val="20000"/>
-                        </a:spcBef>
-                        <a:spcAft>
-                          <a:spcPct val="0"/>
-                        </a:spcAft>
-                        <a:buClrTx/>
-                        <a:buSzTx/>
-                        <a:buFontTx/>
-                        <a:buNone/>
-                        <a:tabLst/>
-                      </a:pPr>
                       <a:r>
                         <a:rPr kumimoji="1" lang="ja-JP" altLang="en-US" sz="1200" b="0" i="0" u="none" strike="noStrike" cap="none" normalizeH="0" baseline="0" dirty="0" smtClean="0">
                           <a:ln>
@@ -6053,7 +6013,63 @@
                           <a:latin typeface="ＭＳ Ｐゴシック" panose="020B0600070205080204" pitchFamily="50" charset="-128"/>
                           <a:ea typeface="ＭＳ Ｐゴシック" panose="020B0600070205080204" pitchFamily="50" charset="-128"/>
                         </a:rPr>
-                        <a:t>　ゲームシステムはスコアアタック式で最終的にスコアが０になってしまうとゲームオーバーです。</a:t>
+                        <a:t>。破壊するごとに対応した</a:t>
+                      </a:r>
+                      <a:r>
+                        <a:rPr kumimoji="1" lang="en-US" altLang="ja-JP" sz="1200" b="0" i="0" u="none" strike="noStrike" cap="none" normalizeH="0" baseline="0" dirty="0" smtClean="0">
+                          <a:ln>
+                            <a:noFill/>
+                          </a:ln>
+                          <a:solidFill>
+                            <a:schemeClr val="tx1"/>
+                          </a:solidFill>
+                          <a:effectLst/>
+                          <a:latin typeface="ＭＳ Ｐゴシック" panose="020B0600070205080204" pitchFamily="50" charset="-128"/>
+                          <a:ea typeface="ＭＳ Ｐゴシック" panose="020B0600070205080204" pitchFamily="50" charset="-128"/>
+                        </a:rPr>
+                        <a:t>HP</a:t>
+                      </a:r>
+                      <a:r>
+                        <a:rPr kumimoji="1" lang="ja-JP" altLang="en-US" sz="1200" b="0" i="0" u="none" strike="noStrike" cap="none" normalizeH="0" baseline="0" dirty="0" smtClean="0">
+                          <a:ln>
+                            <a:noFill/>
+                          </a:ln>
+                          <a:solidFill>
+                            <a:schemeClr val="tx1"/>
+                          </a:solidFill>
+                          <a:effectLst/>
+                          <a:latin typeface="ＭＳ Ｐゴシック" panose="020B0600070205080204" pitchFamily="50" charset="-128"/>
+                          <a:ea typeface="ＭＳ Ｐゴシック" panose="020B0600070205080204" pitchFamily="50" charset="-128"/>
+                        </a:rPr>
+                        <a:t>ゲージが</a:t>
+                      </a:r>
+                      <a:r>
+                        <a:rPr kumimoji="1" lang="ja-JP" altLang="en-US" sz="1200" b="0" i="0" u="none" strike="noStrike" cap="none" normalizeH="0" baseline="0" smtClean="0">
+                          <a:ln>
+                            <a:noFill/>
+                          </a:ln>
+                          <a:solidFill>
+                            <a:schemeClr val="tx1"/>
+                          </a:solidFill>
+                          <a:effectLst/>
+                          <a:latin typeface="ＭＳ Ｐゴシック" panose="020B0600070205080204" pitchFamily="50" charset="-128"/>
+                          <a:ea typeface="ＭＳ Ｐゴシック" panose="020B0600070205080204" pitchFamily="50" charset="-128"/>
+                        </a:rPr>
+                        <a:t>減少していき、最終的にそれが０になってしまうとゲームオーバー</a:t>
+                      </a:r>
+                      <a:r>
+                        <a:rPr kumimoji="1" lang="ja-JP" altLang="en-US" sz="1200" b="0" i="0" u="none" strike="noStrike" cap="none" normalizeH="0" baseline="0" dirty="0" smtClean="0">
+                          <a:ln>
+                            <a:noFill/>
+                          </a:ln>
+                          <a:solidFill>
+                            <a:schemeClr val="tx1"/>
+                          </a:solidFill>
+                          <a:effectLst/>
+                          <a:latin typeface="ＭＳ Ｐゴシック" panose="020B0600070205080204" pitchFamily="50" charset="-128"/>
+                          <a:ea typeface="ＭＳ Ｐゴシック" panose="020B0600070205080204" pitchFamily="50" charset="-128"/>
+                        </a:rPr>
+                        <a:t>です。</a:t>
                       </a:r>
                       <a:endParaRPr kumimoji="1" lang="en-US" altLang="ja-JP" sz="1200" b="0" i="0" u="none" strike="noStrike" cap="none" normalizeH="0" baseline="0" dirty="0" smtClean="0">
                         <a:ln>
